--- a/ReinforcementLearning/Ch03.pptx
+++ b/ReinforcementLearning/Ch03.pptx
@@ -5007,8 +5007,8 @@
           </a:p>
         </p:txBody>
       </p:sp>
-      <mc:AlternateContent xmlns:mc="http://schemas.openxmlformats.org/markup-compatibility/2006" xmlns:a14="http://schemas.microsoft.com/office/drawing/2010/main">
-        <mc:Choice Requires="a14">
+      <mc:AlternateContent xmlns:mc="http://schemas.openxmlformats.org/markup-compatibility/2006">
+        <mc:Choice xmlns:a14="http://schemas.microsoft.com/office/drawing/2010/main" Requires="a14">
           <p:sp>
             <p:nvSpPr>
               <p:cNvPr id="3" name="내용 개체 틀 2">
@@ -5063,12 +5063,26 @@
                     </m:sSub>
                   </m:oMath>
                 </a14:m>
+                <a:endParaRPr lang="en-US" altLang="ko-KR" dirty="0"/>
+              </a:p>
+              <a:p>
+                <a:endParaRPr lang="en-US" altLang="ko-KR" dirty="0"/>
+              </a:p>
+              <a:p>
+                <a:endParaRPr lang="en-US" altLang="ko-KR" dirty="0"/>
+              </a:p>
+              <a:p>
+                <a:pPr lvl="1"/>
+                <a:r>
+                  <a:rPr lang="en-US" altLang="ko-KR" dirty="0"/>
+                  <a:t>Proof</a:t>
+                </a:r>
                 <a:endParaRPr lang="ko-KR" altLang="en-US" dirty="0"/>
               </a:p>
             </p:txBody>
           </p:sp>
         </mc:Choice>
-        <mc:Fallback xmlns="">
+        <mc:Fallback>
           <p:sp>
             <p:nvSpPr>
               <p:cNvPr id="3" name="내용 개체 틀 2">
@@ -5137,8 +5151,8 @@
           </a:p>
         </p:txBody>
       </p:sp>
-      <mc:AlternateContent xmlns:mc="http://schemas.openxmlformats.org/markup-compatibility/2006" xmlns:a14="http://schemas.microsoft.com/office/drawing/2010/main">
-        <mc:Choice Requires="a14">
+      <mc:AlternateContent xmlns:mc="http://schemas.openxmlformats.org/markup-compatibility/2006">
+        <mc:Choice xmlns:a14="http://schemas.microsoft.com/office/drawing/2010/main" Requires="a14">
           <p:sp>
             <p:nvSpPr>
               <p:cNvPr id="5" name="TextBox 4">
@@ -5154,7 +5168,7 @@
             <p:spPr>
               <a:xfrm>
                 <a:off x="1752600" y="2371725"/>
-                <a:ext cx="8376844" cy="2648289"/>
+                <a:ext cx="6924652" cy="1000980"/>
               </a:xfrm>
               <a:prstGeom prst="rect">
                 <a:avLst/>
@@ -5221,661 +5235,6 @@
                           <a:latin typeface="Cambria Math" panose="02040503050406030204" pitchFamily="18" charset="0"/>
                         </a:rPr>
                         <m:t>=</m:t>
-                      </m:r>
-                      <m:sSub>
-                        <m:sSubPr>
-                          <m:ctrlPr>
-                            <a:rPr lang="en-US" altLang="ko-KR" sz="2400" i="1">
-                              <a:latin typeface="Cambria Math" panose="02040503050406030204" pitchFamily="18" charset="0"/>
-                            </a:rPr>
-                          </m:ctrlPr>
-                        </m:sSubPr>
-                        <m:e>
-                          <m:r>
-                            <a:rPr lang="en-US" altLang="ko-KR" sz="2400" i="1">
-                              <a:latin typeface="Cambria Math" panose="02040503050406030204" pitchFamily="18" charset="0"/>
-                            </a:rPr>
-                            <m:t>𝔼</m:t>
-                          </m:r>
-                        </m:e>
-                        <m:sub>
-                          <m:r>
-                            <a:rPr lang="en-US" altLang="ko-KR" sz="2400" i="1">
-                              <a:latin typeface="Cambria Math" panose="02040503050406030204" pitchFamily="18" charset="0"/>
-                            </a:rPr>
-                            <m:t>𝜋</m:t>
-                          </m:r>
-                        </m:sub>
-                      </m:sSub>
-                      <m:d>
-                        <m:dPr>
-                          <m:begChr m:val="["/>
-                          <m:endChr m:val="]"/>
-                          <m:ctrlPr>
-                            <a:rPr lang="en-US" altLang="ko-KR" sz="2400" i="1">
-                              <a:latin typeface="Cambria Math" panose="02040503050406030204" pitchFamily="18" charset="0"/>
-                            </a:rPr>
-                          </m:ctrlPr>
-                        </m:dPr>
-                        <m:e>
-                          <m:sSub>
-                            <m:sSubPr>
-                              <m:ctrlPr>
-                                <a:rPr lang="en-US" altLang="ko-KR" sz="2400" i="1">
-                                  <a:latin typeface="Cambria Math" panose="02040503050406030204" pitchFamily="18" charset="0"/>
-                                </a:rPr>
-                              </m:ctrlPr>
-                            </m:sSubPr>
-                            <m:e>
-                              <m:r>
-                                <a:rPr lang="en-US" altLang="ko-KR" sz="2400" i="1">
-                                  <a:latin typeface="Cambria Math" panose="02040503050406030204" pitchFamily="18" charset="0"/>
-                                </a:rPr>
-                                <m:t>𝐺</m:t>
-                              </m:r>
-                            </m:e>
-                            <m:sub>
-                              <m:r>
-                                <a:rPr lang="en-US" altLang="ko-KR" sz="2400" i="1">
-                                  <a:latin typeface="Cambria Math" panose="02040503050406030204" pitchFamily="18" charset="0"/>
-                                </a:rPr>
-                                <m:t>𝑡</m:t>
-                              </m:r>
-                            </m:sub>
-                          </m:sSub>
-                          <m:r>
-                            <a:rPr lang="en-US" altLang="ko-KR" sz="2400" i="1">
-                              <a:latin typeface="Cambria Math" panose="02040503050406030204" pitchFamily="18" charset="0"/>
-                            </a:rPr>
-                            <m:t> </m:t>
-                          </m:r>
-                        </m:e>
-                        <m:e>
-                          <m:r>
-                            <a:rPr lang="en-US" altLang="ko-KR" sz="2400" i="1">
-                              <a:latin typeface="Cambria Math" panose="02040503050406030204" pitchFamily="18" charset="0"/>
-                            </a:rPr>
-                            <m:t> </m:t>
-                          </m:r>
-                          <m:sSub>
-                            <m:sSubPr>
-                              <m:ctrlPr>
-                                <a:rPr lang="en-US" altLang="ko-KR" sz="2400" i="1">
-                                  <a:latin typeface="Cambria Math" panose="02040503050406030204" pitchFamily="18" charset="0"/>
-                                </a:rPr>
-                              </m:ctrlPr>
-                            </m:sSubPr>
-                            <m:e>
-                              <m:r>
-                                <a:rPr lang="en-US" altLang="ko-KR" sz="2400" i="1">
-                                  <a:latin typeface="Cambria Math" panose="02040503050406030204" pitchFamily="18" charset="0"/>
-                                </a:rPr>
-                                <m:t>𝑆</m:t>
-                              </m:r>
-                            </m:e>
-                            <m:sub>
-                              <m:r>
-                                <a:rPr lang="en-US" altLang="ko-KR" sz="2400" i="1">
-                                  <a:latin typeface="Cambria Math" panose="02040503050406030204" pitchFamily="18" charset="0"/>
-                                </a:rPr>
-                                <m:t>𝑡</m:t>
-                              </m:r>
-                            </m:sub>
-                          </m:sSub>
-                          <m:r>
-                            <a:rPr lang="en-US" altLang="ko-KR" sz="2400" i="1">
-                              <a:latin typeface="Cambria Math" panose="02040503050406030204" pitchFamily="18" charset="0"/>
-                            </a:rPr>
-                            <m:t>=</m:t>
-                          </m:r>
-                          <m:r>
-                            <a:rPr lang="en-US" altLang="ko-KR" sz="2400" i="1">
-                              <a:latin typeface="Cambria Math" panose="02040503050406030204" pitchFamily="18" charset="0"/>
-                            </a:rPr>
-                            <m:t>𝑠</m:t>
-                          </m:r>
-                        </m:e>
-                      </m:d>
-                    </m:oMath>
-                    <m:oMath xmlns:m="http://schemas.openxmlformats.org/officeDocument/2006/math">
-                      <m:r>
-                        <a:rPr lang="en-US" altLang="ko-KR" sz="2400" b="0" i="1" smtClean="0">
-                          <a:latin typeface="Cambria Math" panose="02040503050406030204" pitchFamily="18" charset="0"/>
-                        </a:rPr>
-                        <m:t>            </m:t>
-                      </m:r>
-                      <m:r>
-                        <a:rPr lang="en-US" altLang="ko-KR" sz="2400" i="1">
-                          <a:latin typeface="Cambria Math" panose="02040503050406030204" pitchFamily="18" charset="0"/>
-                        </a:rPr>
-                        <m:t>=</m:t>
-                      </m:r>
-                      <m:sSub>
-                        <m:sSubPr>
-                          <m:ctrlPr>
-                            <a:rPr lang="en-US" altLang="ko-KR" sz="2400" i="1">
-                              <a:latin typeface="Cambria Math" panose="02040503050406030204" pitchFamily="18" charset="0"/>
-                            </a:rPr>
-                          </m:ctrlPr>
-                        </m:sSubPr>
-                        <m:e>
-                          <m:r>
-                            <a:rPr lang="en-US" altLang="ko-KR" sz="2400" i="1">
-                              <a:latin typeface="Cambria Math" panose="02040503050406030204" pitchFamily="18" charset="0"/>
-                            </a:rPr>
-                            <m:t>𝔼</m:t>
-                          </m:r>
-                        </m:e>
-                        <m:sub>
-                          <m:r>
-                            <a:rPr lang="en-US" altLang="ko-KR" sz="2400" i="1">
-                              <a:latin typeface="Cambria Math" panose="02040503050406030204" pitchFamily="18" charset="0"/>
-                            </a:rPr>
-                            <m:t>𝜋</m:t>
-                          </m:r>
-                        </m:sub>
-                      </m:sSub>
-                      <m:d>
-                        <m:dPr>
-                          <m:begChr m:val="["/>
-                          <m:endChr m:val="]"/>
-                          <m:ctrlPr>
-                            <a:rPr lang="en-US" altLang="ko-KR" sz="2400" i="1">
-                              <a:latin typeface="Cambria Math" panose="02040503050406030204" pitchFamily="18" charset="0"/>
-                            </a:rPr>
-                          </m:ctrlPr>
-                        </m:dPr>
-                        <m:e>
-                          <m:sSub>
-                            <m:sSubPr>
-                              <m:ctrlPr>
-                                <a:rPr lang="en-US" altLang="ko-KR" sz="2400" b="0" i="1" smtClean="0">
-                                  <a:latin typeface="Cambria Math" panose="02040503050406030204" pitchFamily="18" charset="0"/>
-                                </a:rPr>
-                              </m:ctrlPr>
-                            </m:sSubPr>
-                            <m:e>
-                              <m:r>
-                                <a:rPr lang="en-US" altLang="ko-KR" sz="2400" b="0" i="1" smtClean="0">
-                                  <a:latin typeface="Cambria Math" panose="02040503050406030204" pitchFamily="18" charset="0"/>
-                                </a:rPr>
-                                <m:t>𝑅</m:t>
-                              </m:r>
-                            </m:e>
-                            <m:sub>
-                              <m:r>
-                                <a:rPr lang="en-US" altLang="ko-KR" sz="2400" b="0" i="1" smtClean="0">
-                                  <a:latin typeface="Cambria Math" panose="02040503050406030204" pitchFamily="18" charset="0"/>
-                                </a:rPr>
-                                <m:t>𝑡</m:t>
-                              </m:r>
-                              <m:r>
-                                <a:rPr lang="en-US" altLang="ko-KR" sz="2400" b="0" i="1" smtClean="0">
-                                  <a:latin typeface="Cambria Math" panose="02040503050406030204" pitchFamily="18" charset="0"/>
-                                </a:rPr>
-                                <m:t>+1</m:t>
-                              </m:r>
-                            </m:sub>
-                          </m:sSub>
-                          <m:r>
-                            <a:rPr lang="en-US" altLang="ko-KR" sz="2400" b="0" i="1" smtClean="0">
-                              <a:latin typeface="Cambria Math" panose="02040503050406030204" pitchFamily="18" charset="0"/>
-                            </a:rPr>
-                            <m:t>+</m:t>
-                          </m:r>
-                          <m:r>
-                            <a:rPr lang="en-US" altLang="ko-KR" sz="2400" b="0" i="1" smtClean="0">
-                              <a:latin typeface="Cambria Math" panose="02040503050406030204" pitchFamily="18" charset="0"/>
-                            </a:rPr>
-                            <m:t>𝛾</m:t>
-                          </m:r>
-                          <m:sSub>
-                            <m:sSubPr>
-                              <m:ctrlPr>
-                                <a:rPr lang="en-US" altLang="ko-KR" sz="2400" b="0" i="1" smtClean="0">
-                                  <a:latin typeface="Cambria Math" panose="02040503050406030204" pitchFamily="18" charset="0"/>
-                                </a:rPr>
-                              </m:ctrlPr>
-                            </m:sSubPr>
-                            <m:e>
-                              <m:r>
-                                <a:rPr lang="en-US" altLang="ko-KR" sz="2400" b="0" i="1" smtClean="0">
-                                  <a:latin typeface="Cambria Math" panose="02040503050406030204" pitchFamily="18" charset="0"/>
-                                </a:rPr>
-                                <m:t>𝐺</m:t>
-                              </m:r>
-                            </m:e>
-                            <m:sub>
-                              <m:r>
-                                <a:rPr lang="en-US" altLang="ko-KR" sz="2400" b="0" i="1" smtClean="0">
-                                  <a:latin typeface="Cambria Math" panose="02040503050406030204" pitchFamily="18" charset="0"/>
-                                </a:rPr>
-                                <m:t>𝑡</m:t>
-                              </m:r>
-                              <m:r>
-                                <a:rPr lang="en-US" altLang="ko-KR" sz="2400" b="0" i="1" smtClean="0">
-                                  <a:latin typeface="Cambria Math" panose="02040503050406030204" pitchFamily="18" charset="0"/>
-                                </a:rPr>
-                                <m:t>+1</m:t>
-                              </m:r>
-                            </m:sub>
-                          </m:sSub>
-                          <m:r>
-                            <a:rPr lang="en-US" altLang="ko-KR" sz="2400" b="0" i="1" smtClean="0">
-                              <a:latin typeface="Cambria Math" panose="02040503050406030204" pitchFamily="18" charset="0"/>
-                            </a:rPr>
-                            <m:t> </m:t>
-                          </m:r>
-                        </m:e>
-                        <m:e>
-                          <m:r>
-                            <a:rPr lang="en-US" altLang="ko-KR" sz="2400" i="1">
-                              <a:latin typeface="Cambria Math" panose="02040503050406030204" pitchFamily="18" charset="0"/>
-                            </a:rPr>
-                            <m:t> </m:t>
-                          </m:r>
-                          <m:sSub>
-                            <m:sSubPr>
-                              <m:ctrlPr>
-                                <a:rPr lang="en-US" altLang="ko-KR" sz="2400" i="1">
-                                  <a:latin typeface="Cambria Math" panose="02040503050406030204" pitchFamily="18" charset="0"/>
-                                </a:rPr>
-                              </m:ctrlPr>
-                            </m:sSubPr>
-                            <m:e>
-                              <m:r>
-                                <a:rPr lang="en-US" altLang="ko-KR" sz="2400" i="1">
-                                  <a:latin typeface="Cambria Math" panose="02040503050406030204" pitchFamily="18" charset="0"/>
-                                </a:rPr>
-                                <m:t>𝑆</m:t>
-                              </m:r>
-                            </m:e>
-                            <m:sub>
-                              <m:r>
-                                <a:rPr lang="en-US" altLang="ko-KR" sz="2400" i="1">
-                                  <a:latin typeface="Cambria Math" panose="02040503050406030204" pitchFamily="18" charset="0"/>
-                                </a:rPr>
-                                <m:t>𝑡</m:t>
-                              </m:r>
-                            </m:sub>
-                          </m:sSub>
-                          <m:r>
-                            <a:rPr lang="en-US" altLang="ko-KR" sz="2400" i="1">
-                              <a:latin typeface="Cambria Math" panose="02040503050406030204" pitchFamily="18" charset="0"/>
-                            </a:rPr>
-                            <m:t>=</m:t>
-                          </m:r>
-                          <m:r>
-                            <a:rPr lang="en-US" altLang="ko-KR" sz="2400" i="1">
-                              <a:latin typeface="Cambria Math" panose="02040503050406030204" pitchFamily="18" charset="0"/>
-                            </a:rPr>
-                            <m:t>𝑠</m:t>
-                          </m:r>
-                        </m:e>
-                      </m:d>
-                    </m:oMath>
-                    <m:oMath xmlns:m="http://schemas.openxmlformats.org/officeDocument/2006/math">
-                      <m:r>
-                        <a:rPr lang="en-US" altLang="ko-KR" sz="2400" b="0" i="1" smtClean="0">
-                          <a:latin typeface="Cambria Math" panose="02040503050406030204" pitchFamily="18" charset="0"/>
-                        </a:rPr>
-                        <m:t>            =</m:t>
-                      </m:r>
-                      <m:nary>
-                        <m:naryPr>
-                          <m:chr m:val="∑"/>
-                          <m:supHide m:val="on"/>
-                          <m:ctrlPr>
-                            <a:rPr lang="en-US" altLang="ko-KR" sz="2400" b="0" i="1" smtClean="0">
-                              <a:latin typeface="Cambria Math" panose="02040503050406030204" pitchFamily="18" charset="0"/>
-                            </a:rPr>
-                          </m:ctrlPr>
-                        </m:naryPr>
-                        <m:sub>
-                          <m:r>
-                            <a:rPr lang="en-US" altLang="ko-KR" sz="2400" b="0" i="1" smtClean="0">
-                              <a:latin typeface="Cambria Math" panose="02040503050406030204" pitchFamily="18" charset="0"/>
-                            </a:rPr>
-                            <m:t>𝑎</m:t>
-                          </m:r>
-                        </m:sub>
-                        <m:sup/>
-                        <m:e>
-                          <m:r>
-                            <a:rPr lang="en-US" altLang="ko-KR" sz="2400" b="0" i="1" smtClean="0">
-                              <a:latin typeface="Cambria Math" panose="02040503050406030204" pitchFamily="18" charset="0"/>
-                            </a:rPr>
-                            <m:t>𝜋</m:t>
-                          </m:r>
-                          <m:d>
-                            <m:dPr>
-                              <m:ctrlPr>
-                                <a:rPr lang="en-US" altLang="ko-KR" sz="2400" b="0" i="1" smtClean="0">
-                                  <a:latin typeface="Cambria Math" panose="02040503050406030204" pitchFamily="18" charset="0"/>
-                                </a:rPr>
-                              </m:ctrlPr>
-                            </m:dPr>
-                            <m:e>
-                              <m:r>
-                                <a:rPr lang="en-US" altLang="ko-KR" sz="2400" b="0" i="1" smtClean="0">
-                                  <a:latin typeface="Cambria Math" panose="02040503050406030204" pitchFamily="18" charset="0"/>
-                                </a:rPr>
-                                <m:t>𝑎</m:t>
-                              </m:r>
-                            </m:e>
-                            <m:e>
-                              <m:r>
-                                <a:rPr lang="en-US" altLang="ko-KR" sz="2400" b="0" i="1" smtClean="0">
-                                  <a:latin typeface="Cambria Math" panose="02040503050406030204" pitchFamily="18" charset="0"/>
-                                </a:rPr>
-                                <m:t>𝑠</m:t>
-                              </m:r>
-                            </m:e>
-                          </m:d>
-                          <m:nary>
-                            <m:naryPr>
-                              <m:chr m:val="∑"/>
-                              <m:supHide m:val="on"/>
-                              <m:ctrlPr>
-                                <a:rPr lang="en-US" altLang="ko-KR" sz="2400" b="0" i="1" smtClean="0">
-                                  <a:latin typeface="Cambria Math" panose="02040503050406030204" pitchFamily="18" charset="0"/>
-                                </a:rPr>
-                              </m:ctrlPr>
-                            </m:naryPr>
-                            <m:sub>
-                              <m:sSup>
-                                <m:sSupPr>
-                                  <m:ctrlPr>
-                                    <a:rPr lang="en-US" altLang="ko-KR" sz="2400" b="0" i="1" smtClean="0">
-                                      <a:latin typeface="Cambria Math" panose="02040503050406030204" pitchFamily="18" charset="0"/>
-                                    </a:rPr>
-                                  </m:ctrlPr>
-                                </m:sSupPr>
-                                <m:e>
-                                  <m:r>
-                                    <a:rPr lang="en-US" altLang="ko-KR" sz="2400" b="0" i="1" smtClean="0">
-                                      <a:latin typeface="Cambria Math" panose="02040503050406030204" pitchFamily="18" charset="0"/>
-                                    </a:rPr>
-                                    <m:t>𝑠</m:t>
-                                  </m:r>
-                                </m:e>
-                                <m:sup>
-                                  <m:r>
-                                    <a:rPr lang="en-US" altLang="ko-KR" sz="2400" b="0" i="1" smtClean="0">
-                                      <a:latin typeface="Cambria Math" panose="02040503050406030204" pitchFamily="18" charset="0"/>
-                                    </a:rPr>
-                                    <m:t>′</m:t>
-                                  </m:r>
-                                </m:sup>
-                              </m:sSup>
-                            </m:sub>
-                            <m:sup/>
-                            <m:e>
-                              <m:nary>
-                                <m:naryPr>
-                                  <m:chr m:val="∑"/>
-                                  <m:supHide m:val="on"/>
-                                  <m:ctrlPr>
-                                    <a:rPr lang="en-US" altLang="ko-KR" sz="2400" b="0" i="1" smtClean="0">
-                                      <a:latin typeface="Cambria Math" panose="02040503050406030204" pitchFamily="18" charset="0"/>
-                                    </a:rPr>
-                                  </m:ctrlPr>
-                                </m:naryPr>
-                                <m:sub>
-                                  <m:r>
-                                    <a:rPr lang="en-US" altLang="ko-KR" sz="2400" b="0" i="1" smtClean="0">
-                                      <a:latin typeface="Cambria Math" panose="02040503050406030204" pitchFamily="18" charset="0"/>
-                                    </a:rPr>
-                                    <m:t>𝑟</m:t>
-                                  </m:r>
-                                </m:sub>
-                                <m:sup/>
-                                <m:e>
-                                  <m:r>
-                                    <a:rPr lang="en-US" altLang="ko-KR" sz="2400" b="0" i="1" smtClean="0">
-                                      <a:latin typeface="Cambria Math" panose="02040503050406030204" pitchFamily="18" charset="0"/>
-                                    </a:rPr>
-                                    <m:t>𝑝</m:t>
-                                  </m:r>
-                                  <m:d>
-                                    <m:dPr>
-                                      <m:ctrlPr>
-                                        <a:rPr lang="en-US" altLang="ko-KR" sz="2400" b="0" i="1" smtClean="0">
-                                          <a:latin typeface="Cambria Math" panose="02040503050406030204" pitchFamily="18" charset="0"/>
-                                        </a:rPr>
-                                      </m:ctrlPr>
-                                    </m:dPr>
-                                    <m:e>
-                                      <m:sSup>
-                                        <m:sSupPr>
-                                          <m:ctrlPr>
-                                            <a:rPr lang="en-US" altLang="ko-KR" sz="2400" b="0" i="1" smtClean="0">
-                                              <a:latin typeface="Cambria Math" panose="02040503050406030204" pitchFamily="18" charset="0"/>
-                                            </a:rPr>
-                                          </m:ctrlPr>
-                                        </m:sSupPr>
-                                        <m:e>
-                                          <m:r>
-                                            <a:rPr lang="en-US" altLang="ko-KR" sz="2400" b="0" i="1" smtClean="0">
-                                              <a:latin typeface="Cambria Math" panose="02040503050406030204" pitchFamily="18" charset="0"/>
-                                            </a:rPr>
-                                            <m:t>𝑠</m:t>
-                                          </m:r>
-                                        </m:e>
-                                        <m:sup>
-                                          <m:r>
-                                            <a:rPr lang="en-US" altLang="ko-KR" sz="2400" b="0" i="1" smtClean="0">
-                                              <a:latin typeface="Cambria Math" panose="02040503050406030204" pitchFamily="18" charset="0"/>
-                                            </a:rPr>
-                                            <m:t>′</m:t>
-                                          </m:r>
-                                        </m:sup>
-                                      </m:sSup>
-                                      <m:r>
-                                        <a:rPr lang="en-US" altLang="ko-KR" sz="2400" b="0" i="1" smtClean="0">
-                                          <a:latin typeface="Cambria Math" panose="02040503050406030204" pitchFamily="18" charset="0"/>
-                                        </a:rPr>
-                                        <m:t>,</m:t>
-                                      </m:r>
-                                      <m:r>
-                                        <a:rPr lang="en-US" altLang="ko-KR" sz="2400" b="0" i="1" smtClean="0">
-                                          <a:latin typeface="Cambria Math" panose="02040503050406030204" pitchFamily="18" charset="0"/>
-                                        </a:rPr>
-                                        <m:t>𝑟</m:t>
-                                      </m:r>
-                                    </m:e>
-                                    <m:e>
-                                      <m:r>
-                                        <a:rPr lang="en-US" altLang="ko-KR" sz="2400" b="0" i="1" smtClean="0">
-                                          <a:latin typeface="Cambria Math" panose="02040503050406030204" pitchFamily="18" charset="0"/>
-                                        </a:rPr>
-                                        <m:t>𝑠</m:t>
-                                      </m:r>
-                                      <m:r>
-                                        <a:rPr lang="en-US" altLang="ko-KR" sz="2400" b="0" i="1" smtClean="0">
-                                          <a:latin typeface="Cambria Math" panose="02040503050406030204" pitchFamily="18" charset="0"/>
-                                        </a:rPr>
-                                        <m:t>,</m:t>
-                                      </m:r>
-                                      <m:r>
-                                        <a:rPr lang="en-US" altLang="ko-KR" sz="2400" b="0" i="1" smtClean="0">
-                                          <a:latin typeface="Cambria Math" panose="02040503050406030204" pitchFamily="18" charset="0"/>
-                                        </a:rPr>
-                                        <m:t>𝑎</m:t>
-                                      </m:r>
-                                    </m:e>
-                                  </m:d>
-                                  <m:d>
-                                    <m:dPr>
-                                      <m:begChr m:val="["/>
-                                      <m:endChr m:val="]"/>
-                                      <m:ctrlPr>
-                                        <a:rPr lang="en-US" altLang="ko-KR" sz="2400" b="0" i="1" smtClean="0">
-                                          <a:latin typeface="Cambria Math" panose="02040503050406030204" pitchFamily="18" charset="0"/>
-                                        </a:rPr>
-                                      </m:ctrlPr>
-                                    </m:dPr>
-                                    <m:e>
-                                      <m:r>
-                                        <a:rPr lang="en-US" altLang="ko-KR" sz="2400" b="0" i="1" smtClean="0">
-                                          <a:latin typeface="Cambria Math" panose="02040503050406030204" pitchFamily="18" charset="0"/>
-                                        </a:rPr>
-                                        <m:t>𝑟</m:t>
-                                      </m:r>
-                                      <m:r>
-                                        <a:rPr lang="en-US" altLang="ko-KR" sz="2400" b="0" i="1" smtClean="0">
-                                          <a:latin typeface="Cambria Math" panose="02040503050406030204" pitchFamily="18" charset="0"/>
-                                        </a:rPr>
-                                        <m:t>+</m:t>
-                                      </m:r>
-                                      <m:r>
-                                        <a:rPr lang="en-US" altLang="ko-KR" sz="2400" b="0" i="1" smtClean="0">
-                                          <a:latin typeface="Cambria Math" panose="02040503050406030204" pitchFamily="18" charset="0"/>
-                                        </a:rPr>
-                                        <m:t>𝛾</m:t>
-                                      </m:r>
-                                      <m:r>
-                                        <a:rPr lang="en-US" altLang="ko-KR" sz="2400" b="0" i="1" smtClean="0">
-                                          <a:latin typeface="Cambria Math" panose="02040503050406030204" pitchFamily="18" charset="0"/>
-                                        </a:rPr>
-                                        <m:t>𝔼</m:t>
-                                      </m:r>
-                                      <m:d>
-                                        <m:dPr>
-                                          <m:begChr m:val="["/>
-                                          <m:endChr m:val="]"/>
-                                          <m:ctrlPr>
-                                            <a:rPr lang="en-US" altLang="ko-KR" sz="2400" b="0" i="1" smtClean="0">
-                                              <a:latin typeface="Cambria Math" panose="02040503050406030204" pitchFamily="18" charset="0"/>
-                                            </a:rPr>
-                                          </m:ctrlPr>
-                                        </m:dPr>
-                                        <m:e>
-                                          <m:sSub>
-                                            <m:sSubPr>
-                                              <m:ctrlPr>
-                                                <a:rPr lang="en-US" altLang="ko-KR" sz="2400" b="0" i="1" smtClean="0">
-                                                  <a:latin typeface="Cambria Math" panose="02040503050406030204" pitchFamily="18" charset="0"/>
-                                                </a:rPr>
-                                              </m:ctrlPr>
-                                            </m:sSubPr>
-                                            <m:e>
-                                              <m:r>
-                                                <a:rPr lang="en-US" altLang="ko-KR" sz="2400" b="0" i="1" smtClean="0">
-                                                  <a:latin typeface="Cambria Math" panose="02040503050406030204" pitchFamily="18" charset="0"/>
-                                                </a:rPr>
-                                                <m:t>𝐺</m:t>
-                                              </m:r>
-                                            </m:e>
-                                            <m:sub>
-                                              <m:r>
-                                                <a:rPr lang="en-US" altLang="ko-KR" sz="2400" b="0" i="1" smtClean="0">
-                                                  <a:latin typeface="Cambria Math" panose="02040503050406030204" pitchFamily="18" charset="0"/>
-                                                </a:rPr>
-                                                <m:t>𝑡</m:t>
-                                              </m:r>
-                                              <m:r>
-                                                <a:rPr lang="en-US" altLang="ko-KR" sz="2400" b="0" i="1" smtClean="0">
-                                                  <a:latin typeface="Cambria Math" panose="02040503050406030204" pitchFamily="18" charset="0"/>
-                                                </a:rPr>
-                                                <m:t>+1</m:t>
-                                              </m:r>
-                                            </m:sub>
-                                          </m:sSub>
-                                        </m:e>
-                                        <m:e>
-                                          <m:sSub>
-                                            <m:sSubPr>
-                                              <m:ctrlPr>
-                                                <a:rPr lang="en-US" altLang="ko-KR" sz="2400" b="0" i="1" smtClean="0">
-                                                  <a:latin typeface="Cambria Math" panose="02040503050406030204" pitchFamily="18" charset="0"/>
-                                                </a:rPr>
-                                              </m:ctrlPr>
-                                            </m:sSubPr>
-                                            <m:e>
-                                              <m:r>
-                                                <a:rPr lang="en-US" altLang="ko-KR" sz="2400" b="0" i="1" smtClean="0">
-                                                  <a:latin typeface="Cambria Math" panose="02040503050406030204" pitchFamily="18" charset="0"/>
-                                                </a:rPr>
-                                                <m:t>𝑆</m:t>
-                                              </m:r>
-                                            </m:e>
-                                            <m:sub>
-                                              <m:r>
-                                                <a:rPr lang="en-US" altLang="ko-KR" sz="2400" b="0" i="1" smtClean="0">
-                                                  <a:latin typeface="Cambria Math" panose="02040503050406030204" pitchFamily="18" charset="0"/>
-                                                </a:rPr>
-                                                <m:t>𝑡</m:t>
-                                              </m:r>
-                                              <m:r>
-                                                <a:rPr lang="en-US" altLang="ko-KR" sz="2400" b="0" i="1" smtClean="0">
-                                                  <a:latin typeface="Cambria Math" panose="02040503050406030204" pitchFamily="18" charset="0"/>
-                                                </a:rPr>
-                                                <m:t>+1</m:t>
-                                              </m:r>
-                                            </m:sub>
-                                          </m:sSub>
-                                          <m:r>
-                                            <a:rPr lang="en-US" altLang="ko-KR" sz="2400" b="0" i="1" smtClean="0">
-                                              <a:latin typeface="Cambria Math" panose="02040503050406030204" pitchFamily="18" charset="0"/>
-                                            </a:rPr>
-                                            <m:t>=</m:t>
-                                          </m:r>
-                                          <m:sSup>
-                                            <m:sSupPr>
-                                              <m:ctrlPr>
-                                                <a:rPr lang="en-US" altLang="ko-KR" sz="2400" b="0" i="1" smtClean="0">
-                                                  <a:latin typeface="Cambria Math" panose="02040503050406030204" pitchFamily="18" charset="0"/>
-                                                </a:rPr>
-                                              </m:ctrlPr>
-                                            </m:sSupPr>
-                                            <m:e>
-                                              <m:r>
-                                                <a:rPr lang="en-US" altLang="ko-KR" sz="2400" b="0" i="1" smtClean="0">
-                                                  <a:latin typeface="Cambria Math" panose="02040503050406030204" pitchFamily="18" charset="0"/>
-                                                </a:rPr>
-                                                <m:t>𝑠</m:t>
-                                              </m:r>
-                                            </m:e>
-                                            <m:sup>
-                                              <m:r>
-                                                <a:rPr lang="en-US" altLang="ko-KR" sz="2400" b="0" i="1" smtClean="0">
-                                                  <a:latin typeface="Cambria Math" panose="02040503050406030204" pitchFamily="18" charset="0"/>
-                                                </a:rPr>
-                                                <m:t>′</m:t>
-                                              </m:r>
-                                            </m:sup>
-                                          </m:sSup>
-                                        </m:e>
-                                      </m:d>
-                                    </m:e>
-                                  </m:d>
-                                </m:e>
-                              </m:nary>
-                            </m:e>
-                          </m:nary>
-                        </m:e>
-                      </m:nary>
-                    </m:oMath>
-                  </m:oMathPara>
-                </a14:m>
-                <a:endParaRPr lang="en-US" altLang="ko-KR" sz="2400" b="0" i="1" dirty="0">
-                  <a:latin typeface="Cambria Math" panose="02040503050406030204" pitchFamily="18" charset="0"/>
-                </a:endParaRPr>
-              </a:p>
-              <a:p>
-                <a:pPr/>
-                <a14:m>
-                  <m:oMathPara xmlns:m="http://schemas.openxmlformats.org/officeDocument/2006/math">
-                    <m:oMathParaPr>
-                      <m:jc m:val="centerGroup"/>
-                    </m:oMathParaPr>
-                    <m:oMath xmlns:m="http://schemas.openxmlformats.org/officeDocument/2006/math">
-                      <m:r>
-                        <a:rPr lang="en-US" altLang="ko-KR" sz="2400" i="1">
-                          <a:latin typeface="Cambria Math" panose="02040503050406030204" pitchFamily="18" charset="0"/>
-                        </a:rPr>
-                        <m:t> =</m:t>
                       </m:r>
                       <m:nary>
                         <m:naryPr>
@@ -6167,7 +5526,7 @@
             </p:txBody>
           </p:sp>
         </mc:Choice>
-        <mc:Fallback xmlns="">
+        <mc:Fallback>
           <p:sp>
             <p:nvSpPr>
               <p:cNvPr id="5" name="TextBox 4">
@@ -6185,7 +5544,7 @@
             <p:spPr>
               <a:xfrm>
                 <a:off x="1752600" y="2371725"/>
-                <a:ext cx="8376844" cy="2648289"/>
+                <a:ext cx="6924652" cy="1000980"/>
               </a:xfrm>
               <a:prstGeom prst="rect">
                 <a:avLst/>
@@ -6234,7 +5593,7 @@
         </p:blipFill>
         <p:spPr>
           <a:xfrm>
-            <a:off x="9439275" y="4191339"/>
+            <a:off x="9482137" y="1641167"/>
             <a:ext cx="1914525" cy="1657350"/>
           </a:xfrm>
           <a:prstGeom prst="rect">
@@ -6242,6 +5601,1074 @@
           </a:prstGeom>
         </p:spPr>
       </p:pic>
+      <mc:AlternateContent xmlns:mc="http://schemas.openxmlformats.org/markup-compatibility/2006">
+        <mc:Choice xmlns:a14="http://schemas.microsoft.com/office/drawing/2010/main" Requires="a14">
+          <p:sp>
+            <p:nvSpPr>
+              <p:cNvPr id="7" name="TextBox 6">
+                <a:extLst>
+                  <a:ext uri="{FF2B5EF4-FFF2-40B4-BE49-F238E27FC236}">
+                    <a16:creationId xmlns:a16="http://schemas.microsoft.com/office/drawing/2014/main" id="{C91136B9-AEEB-471F-A002-C787274F60F9}"/>
+                  </a:ext>
+                </a:extLst>
+              </p:cNvPr>
+              <p:cNvSpPr txBox="1"/>
+              <p:nvPr/>
+            </p:nvSpPr>
+            <p:spPr>
+              <a:xfrm>
+                <a:off x="1739988" y="3741553"/>
+                <a:ext cx="7699287" cy="2435410"/>
+              </a:xfrm>
+              <a:prstGeom prst="rect">
+                <a:avLst/>
+              </a:prstGeom>
+              <a:noFill/>
+            </p:spPr>
+            <p:txBody>
+              <a:bodyPr wrap="none" rtlCol="0">
+                <a:spAutoFit/>
+              </a:bodyPr>
+              <a:lstStyle/>
+              <a:p>
+                <a:pPr/>
+                <a14:m>
+                  <m:oMathPara xmlns:m="http://schemas.openxmlformats.org/officeDocument/2006/math">
+                    <m:oMathParaPr>
+                      <m:jc m:val="centerGroup"/>
+                    </m:oMathParaPr>
+                    <m:oMath xmlns:m="http://schemas.openxmlformats.org/officeDocument/2006/math">
+                      <m:sSub>
+                        <m:sSubPr>
+                          <m:ctrlPr>
+                            <a:rPr lang="en-US" altLang="ko-KR" sz="2200" i="1" smtClean="0">
+                              <a:latin typeface="Cambria Math" panose="02040503050406030204" pitchFamily="18" charset="0"/>
+                            </a:rPr>
+                          </m:ctrlPr>
+                        </m:sSubPr>
+                        <m:e>
+                          <m:r>
+                            <a:rPr lang="en-US" altLang="ko-KR" sz="2200" i="1">
+                              <a:latin typeface="Cambria Math" panose="02040503050406030204" pitchFamily="18" charset="0"/>
+                            </a:rPr>
+                            <m:t>𝑣</m:t>
+                          </m:r>
+                        </m:e>
+                        <m:sub>
+                          <m:r>
+                            <a:rPr lang="en-US" altLang="ko-KR" sz="2200" i="1">
+                              <a:latin typeface="Cambria Math" panose="02040503050406030204" pitchFamily="18" charset="0"/>
+                            </a:rPr>
+                            <m:t>𝜋</m:t>
+                          </m:r>
+                        </m:sub>
+                      </m:sSub>
+                      <m:d>
+                        <m:dPr>
+                          <m:ctrlPr>
+                            <a:rPr lang="en-US" altLang="ko-KR" sz="2200" i="1">
+                              <a:latin typeface="Cambria Math" panose="02040503050406030204" pitchFamily="18" charset="0"/>
+                            </a:rPr>
+                          </m:ctrlPr>
+                        </m:dPr>
+                        <m:e>
+                          <m:r>
+                            <a:rPr lang="en-US" altLang="ko-KR" sz="2200" i="1">
+                              <a:latin typeface="Cambria Math" panose="02040503050406030204" pitchFamily="18" charset="0"/>
+                            </a:rPr>
+                            <m:t>𝑠</m:t>
+                          </m:r>
+                        </m:e>
+                      </m:d>
+                      <m:r>
+                        <a:rPr lang="en-US" altLang="ko-KR" sz="2200" i="1">
+                          <a:latin typeface="Cambria Math" panose="02040503050406030204" pitchFamily="18" charset="0"/>
+                        </a:rPr>
+                        <m:t>=</m:t>
+                      </m:r>
+                      <m:sSub>
+                        <m:sSubPr>
+                          <m:ctrlPr>
+                            <a:rPr lang="en-US" altLang="ko-KR" sz="2200" i="1">
+                              <a:latin typeface="Cambria Math" panose="02040503050406030204" pitchFamily="18" charset="0"/>
+                            </a:rPr>
+                          </m:ctrlPr>
+                        </m:sSubPr>
+                        <m:e>
+                          <m:r>
+                            <a:rPr lang="en-US" altLang="ko-KR" sz="2200" i="1">
+                              <a:latin typeface="Cambria Math" panose="02040503050406030204" pitchFamily="18" charset="0"/>
+                            </a:rPr>
+                            <m:t>𝔼</m:t>
+                          </m:r>
+                        </m:e>
+                        <m:sub>
+                          <m:r>
+                            <a:rPr lang="en-US" altLang="ko-KR" sz="2200" i="1">
+                              <a:latin typeface="Cambria Math" panose="02040503050406030204" pitchFamily="18" charset="0"/>
+                            </a:rPr>
+                            <m:t>𝜋</m:t>
+                          </m:r>
+                        </m:sub>
+                      </m:sSub>
+                      <m:d>
+                        <m:dPr>
+                          <m:begChr m:val="["/>
+                          <m:endChr m:val="]"/>
+                          <m:ctrlPr>
+                            <a:rPr lang="en-US" altLang="ko-KR" sz="2200" i="1">
+                              <a:latin typeface="Cambria Math" panose="02040503050406030204" pitchFamily="18" charset="0"/>
+                            </a:rPr>
+                          </m:ctrlPr>
+                        </m:dPr>
+                        <m:e>
+                          <m:sSub>
+                            <m:sSubPr>
+                              <m:ctrlPr>
+                                <a:rPr lang="en-US" altLang="ko-KR" sz="2200" i="1">
+                                  <a:latin typeface="Cambria Math" panose="02040503050406030204" pitchFamily="18" charset="0"/>
+                                </a:rPr>
+                              </m:ctrlPr>
+                            </m:sSubPr>
+                            <m:e>
+                              <m:r>
+                                <a:rPr lang="en-US" altLang="ko-KR" sz="2200" i="1">
+                                  <a:latin typeface="Cambria Math" panose="02040503050406030204" pitchFamily="18" charset="0"/>
+                                </a:rPr>
+                                <m:t>𝐺</m:t>
+                              </m:r>
+                            </m:e>
+                            <m:sub>
+                              <m:r>
+                                <a:rPr lang="en-US" altLang="ko-KR" sz="2200" i="1">
+                                  <a:latin typeface="Cambria Math" panose="02040503050406030204" pitchFamily="18" charset="0"/>
+                                </a:rPr>
+                                <m:t>𝑡</m:t>
+                              </m:r>
+                            </m:sub>
+                          </m:sSub>
+                          <m:r>
+                            <a:rPr lang="en-US" altLang="ko-KR" sz="2200" i="1">
+                              <a:latin typeface="Cambria Math" panose="02040503050406030204" pitchFamily="18" charset="0"/>
+                            </a:rPr>
+                            <m:t> </m:t>
+                          </m:r>
+                        </m:e>
+                        <m:e>
+                          <m:r>
+                            <a:rPr lang="en-US" altLang="ko-KR" sz="2200" i="1">
+                              <a:latin typeface="Cambria Math" panose="02040503050406030204" pitchFamily="18" charset="0"/>
+                            </a:rPr>
+                            <m:t> </m:t>
+                          </m:r>
+                          <m:sSub>
+                            <m:sSubPr>
+                              <m:ctrlPr>
+                                <a:rPr lang="en-US" altLang="ko-KR" sz="2200" i="1">
+                                  <a:latin typeface="Cambria Math" panose="02040503050406030204" pitchFamily="18" charset="0"/>
+                                </a:rPr>
+                              </m:ctrlPr>
+                            </m:sSubPr>
+                            <m:e>
+                              <m:r>
+                                <a:rPr lang="en-US" altLang="ko-KR" sz="2200" i="1">
+                                  <a:latin typeface="Cambria Math" panose="02040503050406030204" pitchFamily="18" charset="0"/>
+                                </a:rPr>
+                                <m:t>𝑆</m:t>
+                              </m:r>
+                            </m:e>
+                            <m:sub>
+                              <m:r>
+                                <a:rPr lang="en-US" altLang="ko-KR" sz="2200" i="1">
+                                  <a:latin typeface="Cambria Math" panose="02040503050406030204" pitchFamily="18" charset="0"/>
+                                </a:rPr>
+                                <m:t>𝑡</m:t>
+                              </m:r>
+                            </m:sub>
+                          </m:sSub>
+                          <m:r>
+                            <a:rPr lang="en-US" altLang="ko-KR" sz="2200" i="1">
+                              <a:latin typeface="Cambria Math" panose="02040503050406030204" pitchFamily="18" charset="0"/>
+                            </a:rPr>
+                            <m:t>=</m:t>
+                          </m:r>
+                          <m:r>
+                            <a:rPr lang="en-US" altLang="ko-KR" sz="2200" i="1">
+                              <a:latin typeface="Cambria Math" panose="02040503050406030204" pitchFamily="18" charset="0"/>
+                            </a:rPr>
+                            <m:t>𝑠</m:t>
+                          </m:r>
+                        </m:e>
+                      </m:d>
+                    </m:oMath>
+                    <m:oMath xmlns:m="http://schemas.openxmlformats.org/officeDocument/2006/math">
+                      <m:r>
+                        <a:rPr lang="en-US" altLang="ko-KR" sz="2200" b="0" i="1" smtClean="0">
+                          <a:latin typeface="Cambria Math" panose="02040503050406030204" pitchFamily="18" charset="0"/>
+                        </a:rPr>
+                        <m:t>            </m:t>
+                      </m:r>
+                      <m:r>
+                        <a:rPr lang="en-US" altLang="ko-KR" sz="2200" i="1">
+                          <a:latin typeface="Cambria Math" panose="02040503050406030204" pitchFamily="18" charset="0"/>
+                        </a:rPr>
+                        <m:t>=</m:t>
+                      </m:r>
+                      <m:sSub>
+                        <m:sSubPr>
+                          <m:ctrlPr>
+                            <a:rPr lang="en-US" altLang="ko-KR" sz="2200" i="1">
+                              <a:latin typeface="Cambria Math" panose="02040503050406030204" pitchFamily="18" charset="0"/>
+                            </a:rPr>
+                          </m:ctrlPr>
+                        </m:sSubPr>
+                        <m:e>
+                          <m:r>
+                            <a:rPr lang="en-US" altLang="ko-KR" sz="2200" i="1">
+                              <a:latin typeface="Cambria Math" panose="02040503050406030204" pitchFamily="18" charset="0"/>
+                            </a:rPr>
+                            <m:t>𝔼</m:t>
+                          </m:r>
+                        </m:e>
+                        <m:sub>
+                          <m:r>
+                            <a:rPr lang="en-US" altLang="ko-KR" sz="2200" i="1">
+                              <a:latin typeface="Cambria Math" panose="02040503050406030204" pitchFamily="18" charset="0"/>
+                            </a:rPr>
+                            <m:t>𝜋</m:t>
+                          </m:r>
+                        </m:sub>
+                      </m:sSub>
+                      <m:d>
+                        <m:dPr>
+                          <m:begChr m:val="["/>
+                          <m:endChr m:val="]"/>
+                          <m:ctrlPr>
+                            <a:rPr lang="en-US" altLang="ko-KR" sz="2200" i="1">
+                              <a:latin typeface="Cambria Math" panose="02040503050406030204" pitchFamily="18" charset="0"/>
+                            </a:rPr>
+                          </m:ctrlPr>
+                        </m:dPr>
+                        <m:e>
+                          <m:sSub>
+                            <m:sSubPr>
+                              <m:ctrlPr>
+                                <a:rPr lang="en-US" altLang="ko-KR" sz="2200" b="0" i="1" smtClean="0">
+                                  <a:latin typeface="Cambria Math" panose="02040503050406030204" pitchFamily="18" charset="0"/>
+                                </a:rPr>
+                              </m:ctrlPr>
+                            </m:sSubPr>
+                            <m:e>
+                              <m:r>
+                                <a:rPr lang="en-US" altLang="ko-KR" sz="2200" b="0" i="1" smtClean="0">
+                                  <a:latin typeface="Cambria Math" panose="02040503050406030204" pitchFamily="18" charset="0"/>
+                                </a:rPr>
+                                <m:t>𝑅</m:t>
+                              </m:r>
+                            </m:e>
+                            <m:sub>
+                              <m:r>
+                                <a:rPr lang="en-US" altLang="ko-KR" sz="2200" b="0" i="1" smtClean="0">
+                                  <a:latin typeface="Cambria Math" panose="02040503050406030204" pitchFamily="18" charset="0"/>
+                                </a:rPr>
+                                <m:t>𝑡</m:t>
+                              </m:r>
+                              <m:r>
+                                <a:rPr lang="en-US" altLang="ko-KR" sz="2200" b="0" i="1" smtClean="0">
+                                  <a:latin typeface="Cambria Math" panose="02040503050406030204" pitchFamily="18" charset="0"/>
+                                </a:rPr>
+                                <m:t>+1</m:t>
+                              </m:r>
+                            </m:sub>
+                          </m:sSub>
+                          <m:r>
+                            <a:rPr lang="en-US" altLang="ko-KR" sz="2200" b="0" i="1" smtClean="0">
+                              <a:latin typeface="Cambria Math" panose="02040503050406030204" pitchFamily="18" charset="0"/>
+                            </a:rPr>
+                            <m:t>+</m:t>
+                          </m:r>
+                          <m:r>
+                            <a:rPr lang="en-US" altLang="ko-KR" sz="2200" b="0" i="1" smtClean="0">
+                              <a:latin typeface="Cambria Math" panose="02040503050406030204" pitchFamily="18" charset="0"/>
+                            </a:rPr>
+                            <m:t>𝛾</m:t>
+                          </m:r>
+                          <m:sSub>
+                            <m:sSubPr>
+                              <m:ctrlPr>
+                                <a:rPr lang="en-US" altLang="ko-KR" sz="2200" b="0" i="1" smtClean="0">
+                                  <a:latin typeface="Cambria Math" panose="02040503050406030204" pitchFamily="18" charset="0"/>
+                                </a:rPr>
+                              </m:ctrlPr>
+                            </m:sSubPr>
+                            <m:e>
+                              <m:r>
+                                <a:rPr lang="en-US" altLang="ko-KR" sz="2200" b="0" i="1" smtClean="0">
+                                  <a:latin typeface="Cambria Math" panose="02040503050406030204" pitchFamily="18" charset="0"/>
+                                </a:rPr>
+                                <m:t>𝐺</m:t>
+                              </m:r>
+                            </m:e>
+                            <m:sub>
+                              <m:r>
+                                <a:rPr lang="en-US" altLang="ko-KR" sz="2200" b="0" i="1" smtClean="0">
+                                  <a:latin typeface="Cambria Math" panose="02040503050406030204" pitchFamily="18" charset="0"/>
+                                </a:rPr>
+                                <m:t>𝑡</m:t>
+                              </m:r>
+                              <m:r>
+                                <a:rPr lang="en-US" altLang="ko-KR" sz="2200" b="0" i="1" smtClean="0">
+                                  <a:latin typeface="Cambria Math" panose="02040503050406030204" pitchFamily="18" charset="0"/>
+                                </a:rPr>
+                                <m:t>+1</m:t>
+                              </m:r>
+                            </m:sub>
+                          </m:sSub>
+                          <m:r>
+                            <a:rPr lang="en-US" altLang="ko-KR" sz="2200" b="0" i="1" smtClean="0">
+                              <a:latin typeface="Cambria Math" panose="02040503050406030204" pitchFamily="18" charset="0"/>
+                            </a:rPr>
+                            <m:t> </m:t>
+                          </m:r>
+                        </m:e>
+                        <m:e>
+                          <m:r>
+                            <a:rPr lang="en-US" altLang="ko-KR" sz="2200" i="1">
+                              <a:latin typeface="Cambria Math" panose="02040503050406030204" pitchFamily="18" charset="0"/>
+                            </a:rPr>
+                            <m:t> </m:t>
+                          </m:r>
+                          <m:sSub>
+                            <m:sSubPr>
+                              <m:ctrlPr>
+                                <a:rPr lang="en-US" altLang="ko-KR" sz="2200" i="1">
+                                  <a:latin typeface="Cambria Math" panose="02040503050406030204" pitchFamily="18" charset="0"/>
+                                </a:rPr>
+                              </m:ctrlPr>
+                            </m:sSubPr>
+                            <m:e>
+                              <m:r>
+                                <a:rPr lang="en-US" altLang="ko-KR" sz="2200" i="1">
+                                  <a:latin typeface="Cambria Math" panose="02040503050406030204" pitchFamily="18" charset="0"/>
+                                </a:rPr>
+                                <m:t>𝑆</m:t>
+                              </m:r>
+                            </m:e>
+                            <m:sub>
+                              <m:r>
+                                <a:rPr lang="en-US" altLang="ko-KR" sz="2200" i="1">
+                                  <a:latin typeface="Cambria Math" panose="02040503050406030204" pitchFamily="18" charset="0"/>
+                                </a:rPr>
+                                <m:t>𝑡</m:t>
+                              </m:r>
+                            </m:sub>
+                          </m:sSub>
+                          <m:r>
+                            <a:rPr lang="en-US" altLang="ko-KR" sz="2200" i="1">
+                              <a:latin typeface="Cambria Math" panose="02040503050406030204" pitchFamily="18" charset="0"/>
+                            </a:rPr>
+                            <m:t>=</m:t>
+                          </m:r>
+                          <m:r>
+                            <a:rPr lang="en-US" altLang="ko-KR" sz="2200" i="1">
+                              <a:latin typeface="Cambria Math" panose="02040503050406030204" pitchFamily="18" charset="0"/>
+                            </a:rPr>
+                            <m:t>𝑠</m:t>
+                          </m:r>
+                        </m:e>
+                      </m:d>
+                    </m:oMath>
+                    <m:oMath xmlns:m="http://schemas.openxmlformats.org/officeDocument/2006/math">
+                      <m:r>
+                        <a:rPr lang="en-US" altLang="ko-KR" sz="2200" b="0" i="1" smtClean="0">
+                          <a:latin typeface="Cambria Math" panose="02040503050406030204" pitchFamily="18" charset="0"/>
+                        </a:rPr>
+                        <m:t>            =</m:t>
+                      </m:r>
+                      <m:nary>
+                        <m:naryPr>
+                          <m:chr m:val="∑"/>
+                          <m:supHide m:val="on"/>
+                          <m:ctrlPr>
+                            <a:rPr lang="en-US" altLang="ko-KR" sz="2200" b="0" i="1" smtClean="0">
+                              <a:latin typeface="Cambria Math" panose="02040503050406030204" pitchFamily="18" charset="0"/>
+                            </a:rPr>
+                          </m:ctrlPr>
+                        </m:naryPr>
+                        <m:sub>
+                          <m:r>
+                            <a:rPr lang="en-US" altLang="ko-KR" sz="2200" b="0" i="1" smtClean="0">
+                              <a:latin typeface="Cambria Math" panose="02040503050406030204" pitchFamily="18" charset="0"/>
+                            </a:rPr>
+                            <m:t>𝑎</m:t>
+                          </m:r>
+                        </m:sub>
+                        <m:sup/>
+                        <m:e>
+                          <m:r>
+                            <a:rPr lang="en-US" altLang="ko-KR" sz="2200" b="0" i="1" smtClean="0">
+                              <a:latin typeface="Cambria Math" panose="02040503050406030204" pitchFamily="18" charset="0"/>
+                            </a:rPr>
+                            <m:t>𝜋</m:t>
+                          </m:r>
+                          <m:d>
+                            <m:dPr>
+                              <m:ctrlPr>
+                                <a:rPr lang="en-US" altLang="ko-KR" sz="2200" b="0" i="1" smtClean="0">
+                                  <a:latin typeface="Cambria Math" panose="02040503050406030204" pitchFamily="18" charset="0"/>
+                                </a:rPr>
+                              </m:ctrlPr>
+                            </m:dPr>
+                            <m:e>
+                              <m:r>
+                                <a:rPr lang="en-US" altLang="ko-KR" sz="2200" b="0" i="1" smtClean="0">
+                                  <a:latin typeface="Cambria Math" panose="02040503050406030204" pitchFamily="18" charset="0"/>
+                                </a:rPr>
+                                <m:t>𝑎</m:t>
+                              </m:r>
+                            </m:e>
+                            <m:e>
+                              <m:r>
+                                <a:rPr lang="en-US" altLang="ko-KR" sz="2200" b="0" i="1" smtClean="0">
+                                  <a:latin typeface="Cambria Math" panose="02040503050406030204" pitchFamily="18" charset="0"/>
+                                </a:rPr>
+                                <m:t>𝑠</m:t>
+                              </m:r>
+                            </m:e>
+                          </m:d>
+                          <m:nary>
+                            <m:naryPr>
+                              <m:chr m:val="∑"/>
+                              <m:supHide m:val="on"/>
+                              <m:ctrlPr>
+                                <a:rPr lang="en-US" altLang="ko-KR" sz="2200" b="0" i="1" smtClean="0">
+                                  <a:latin typeface="Cambria Math" panose="02040503050406030204" pitchFamily="18" charset="0"/>
+                                </a:rPr>
+                              </m:ctrlPr>
+                            </m:naryPr>
+                            <m:sub>
+                              <m:sSup>
+                                <m:sSupPr>
+                                  <m:ctrlPr>
+                                    <a:rPr lang="en-US" altLang="ko-KR" sz="2200" b="0" i="1" smtClean="0">
+                                      <a:latin typeface="Cambria Math" panose="02040503050406030204" pitchFamily="18" charset="0"/>
+                                    </a:rPr>
+                                  </m:ctrlPr>
+                                </m:sSupPr>
+                                <m:e>
+                                  <m:r>
+                                    <a:rPr lang="en-US" altLang="ko-KR" sz="2200" b="0" i="1" smtClean="0">
+                                      <a:latin typeface="Cambria Math" panose="02040503050406030204" pitchFamily="18" charset="0"/>
+                                    </a:rPr>
+                                    <m:t>𝑠</m:t>
+                                  </m:r>
+                                </m:e>
+                                <m:sup>
+                                  <m:r>
+                                    <a:rPr lang="en-US" altLang="ko-KR" sz="2200" b="0" i="1" smtClean="0">
+                                      <a:latin typeface="Cambria Math" panose="02040503050406030204" pitchFamily="18" charset="0"/>
+                                    </a:rPr>
+                                    <m:t>′</m:t>
+                                  </m:r>
+                                </m:sup>
+                              </m:sSup>
+                            </m:sub>
+                            <m:sup/>
+                            <m:e>
+                              <m:nary>
+                                <m:naryPr>
+                                  <m:chr m:val="∑"/>
+                                  <m:supHide m:val="on"/>
+                                  <m:ctrlPr>
+                                    <a:rPr lang="en-US" altLang="ko-KR" sz="2200" b="0" i="1" smtClean="0">
+                                      <a:latin typeface="Cambria Math" panose="02040503050406030204" pitchFamily="18" charset="0"/>
+                                    </a:rPr>
+                                  </m:ctrlPr>
+                                </m:naryPr>
+                                <m:sub>
+                                  <m:r>
+                                    <a:rPr lang="en-US" altLang="ko-KR" sz="2200" b="0" i="1" smtClean="0">
+                                      <a:latin typeface="Cambria Math" panose="02040503050406030204" pitchFamily="18" charset="0"/>
+                                    </a:rPr>
+                                    <m:t>𝑟</m:t>
+                                  </m:r>
+                                </m:sub>
+                                <m:sup/>
+                                <m:e>
+                                  <m:r>
+                                    <a:rPr lang="en-US" altLang="ko-KR" sz="2200" b="0" i="1" smtClean="0">
+                                      <a:latin typeface="Cambria Math" panose="02040503050406030204" pitchFamily="18" charset="0"/>
+                                    </a:rPr>
+                                    <m:t>𝑝</m:t>
+                                  </m:r>
+                                  <m:d>
+                                    <m:dPr>
+                                      <m:ctrlPr>
+                                        <a:rPr lang="en-US" altLang="ko-KR" sz="2200" b="0" i="1" smtClean="0">
+                                          <a:latin typeface="Cambria Math" panose="02040503050406030204" pitchFamily="18" charset="0"/>
+                                        </a:rPr>
+                                      </m:ctrlPr>
+                                    </m:dPr>
+                                    <m:e>
+                                      <m:sSup>
+                                        <m:sSupPr>
+                                          <m:ctrlPr>
+                                            <a:rPr lang="en-US" altLang="ko-KR" sz="2200" b="0" i="1" smtClean="0">
+                                              <a:latin typeface="Cambria Math" panose="02040503050406030204" pitchFamily="18" charset="0"/>
+                                            </a:rPr>
+                                          </m:ctrlPr>
+                                        </m:sSupPr>
+                                        <m:e>
+                                          <m:r>
+                                            <a:rPr lang="en-US" altLang="ko-KR" sz="2200" b="0" i="1" smtClean="0">
+                                              <a:latin typeface="Cambria Math" panose="02040503050406030204" pitchFamily="18" charset="0"/>
+                                            </a:rPr>
+                                            <m:t>𝑠</m:t>
+                                          </m:r>
+                                        </m:e>
+                                        <m:sup>
+                                          <m:r>
+                                            <a:rPr lang="en-US" altLang="ko-KR" sz="2200" b="0" i="1" smtClean="0">
+                                              <a:latin typeface="Cambria Math" panose="02040503050406030204" pitchFamily="18" charset="0"/>
+                                            </a:rPr>
+                                            <m:t>′</m:t>
+                                          </m:r>
+                                        </m:sup>
+                                      </m:sSup>
+                                      <m:r>
+                                        <a:rPr lang="en-US" altLang="ko-KR" sz="2200" b="0" i="1" smtClean="0">
+                                          <a:latin typeface="Cambria Math" panose="02040503050406030204" pitchFamily="18" charset="0"/>
+                                        </a:rPr>
+                                        <m:t>,</m:t>
+                                      </m:r>
+                                      <m:r>
+                                        <a:rPr lang="en-US" altLang="ko-KR" sz="2200" b="0" i="1" smtClean="0">
+                                          <a:latin typeface="Cambria Math" panose="02040503050406030204" pitchFamily="18" charset="0"/>
+                                        </a:rPr>
+                                        <m:t>𝑟</m:t>
+                                      </m:r>
+                                    </m:e>
+                                    <m:e>
+                                      <m:r>
+                                        <a:rPr lang="en-US" altLang="ko-KR" sz="2200" b="0" i="1" smtClean="0">
+                                          <a:latin typeface="Cambria Math" panose="02040503050406030204" pitchFamily="18" charset="0"/>
+                                        </a:rPr>
+                                        <m:t>𝑠</m:t>
+                                      </m:r>
+                                      <m:r>
+                                        <a:rPr lang="en-US" altLang="ko-KR" sz="2200" b="0" i="1" smtClean="0">
+                                          <a:latin typeface="Cambria Math" panose="02040503050406030204" pitchFamily="18" charset="0"/>
+                                        </a:rPr>
+                                        <m:t>,</m:t>
+                                      </m:r>
+                                      <m:r>
+                                        <a:rPr lang="en-US" altLang="ko-KR" sz="2200" b="0" i="1" smtClean="0">
+                                          <a:latin typeface="Cambria Math" panose="02040503050406030204" pitchFamily="18" charset="0"/>
+                                        </a:rPr>
+                                        <m:t>𝑎</m:t>
+                                      </m:r>
+                                    </m:e>
+                                  </m:d>
+                                  <m:d>
+                                    <m:dPr>
+                                      <m:begChr m:val="["/>
+                                      <m:endChr m:val="]"/>
+                                      <m:ctrlPr>
+                                        <a:rPr lang="en-US" altLang="ko-KR" sz="2200" b="0" i="1" smtClean="0">
+                                          <a:latin typeface="Cambria Math" panose="02040503050406030204" pitchFamily="18" charset="0"/>
+                                        </a:rPr>
+                                      </m:ctrlPr>
+                                    </m:dPr>
+                                    <m:e>
+                                      <m:r>
+                                        <a:rPr lang="en-US" altLang="ko-KR" sz="2200" b="0" i="1" smtClean="0">
+                                          <a:latin typeface="Cambria Math" panose="02040503050406030204" pitchFamily="18" charset="0"/>
+                                        </a:rPr>
+                                        <m:t>𝑟</m:t>
+                                      </m:r>
+                                      <m:r>
+                                        <a:rPr lang="en-US" altLang="ko-KR" sz="2200" b="0" i="1" smtClean="0">
+                                          <a:latin typeface="Cambria Math" panose="02040503050406030204" pitchFamily="18" charset="0"/>
+                                        </a:rPr>
+                                        <m:t>+</m:t>
+                                      </m:r>
+                                      <m:r>
+                                        <a:rPr lang="en-US" altLang="ko-KR" sz="2200" b="0" i="1" smtClean="0">
+                                          <a:latin typeface="Cambria Math" panose="02040503050406030204" pitchFamily="18" charset="0"/>
+                                        </a:rPr>
+                                        <m:t>𝛾</m:t>
+                                      </m:r>
+                                      <m:r>
+                                        <a:rPr lang="en-US" altLang="ko-KR" sz="2200" b="0" i="1" smtClean="0">
+                                          <a:latin typeface="Cambria Math" panose="02040503050406030204" pitchFamily="18" charset="0"/>
+                                        </a:rPr>
+                                        <m:t>𝔼</m:t>
+                                      </m:r>
+                                      <m:d>
+                                        <m:dPr>
+                                          <m:begChr m:val="["/>
+                                          <m:endChr m:val="]"/>
+                                          <m:ctrlPr>
+                                            <a:rPr lang="en-US" altLang="ko-KR" sz="2200" b="0" i="1" smtClean="0">
+                                              <a:latin typeface="Cambria Math" panose="02040503050406030204" pitchFamily="18" charset="0"/>
+                                            </a:rPr>
+                                          </m:ctrlPr>
+                                        </m:dPr>
+                                        <m:e>
+                                          <m:sSub>
+                                            <m:sSubPr>
+                                              <m:ctrlPr>
+                                                <a:rPr lang="en-US" altLang="ko-KR" sz="2200" b="0" i="1" smtClean="0">
+                                                  <a:latin typeface="Cambria Math" panose="02040503050406030204" pitchFamily="18" charset="0"/>
+                                                </a:rPr>
+                                              </m:ctrlPr>
+                                            </m:sSubPr>
+                                            <m:e>
+                                              <m:r>
+                                                <a:rPr lang="en-US" altLang="ko-KR" sz="2200" b="0" i="1" smtClean="0">
+                                                  <a:latin typeface="Cambria Math" panose="02040503050406030204" pitchFamily="18" charset="0"/>
+                                                </a:rPr>
+                                                <m:t>𝐺</m:t>
+                                              </m:r>
+                                            </m:e>
+                                            <m:sub>
+                                              <m:r>
+                                                <a:rPr lang="en-US" altLang="ko-KR" sz="2200" b="0" i="1" smtClean="0">
+                                                  <a:latin typeface="Cambria Math" panose="02040503050406030204" pitchFamily="18" charset="0"/>
+                                                </a:rPr>
+                                                <m:t>𝑡</m:t>
+                                              </m:r>
+                                              <m:r>
+                                                <a:rPr lang="en-US" altLang="ko-KR" sz="2200" b="0" i="1" smtClean="0">
+                                                  <a:latin typeface="Cambria Math" panose="02040503050406030204" pitchFamily="18" charset="0"/>
+                                                </a:rPr>
+                                                <m:t>+1</m:t>
+                                              </m:r>
+                                            </m:sub>
+                                          </m:sSub>
+                                        </m:e>
+                                        <m:e>
+                                          <m:sSub>
+                                            <m:sSubPr>
+                                              <m:ctrlPr>
+                                                <a:rPr lang="en-US" altLang="ko-KR" sz="2200" b="0" i="1" smtClean="0">
+                                                  <a:latin typeface="Cambria Math" panose="02040503050406030204" pitchFamily="18" charset="0"/>
+                                                </a:rPr>
+                                              </m:ctrlPr>
+                                            </m:sSubPr>
+                                            <m:e>
+                                              <m:r>
+                                                <a:rPr lang="en-US" altLang="ko-KR" sz="2200" b="0" i="1" smtClean="0">
+                                                  <a:latin typeface="Cambria Math" panose="02040503050406030204" pitchFamily="18" charset="0"/>
+                                                </a:rPr>
+                                                <m:t>𝑆</m:t>
+                                              </m:r>
+                                            </m:e>
+                                            <m:sub>
+                                              <m:r>
+                                                <a:rPr lang="en-US" altLang="ko-KR" sz="2200" b="0" i="1" smtClean="0">
+                                                  <a:latin typeface="Cambria Math" panose="02040503050406030204" pitchFamily="18" charset="0"/>
+                                                </a:rPr>
+                                                <m:t>𝑡</m:t>
+                                              </m:r>
+                                              <m:r>
+                                                <a:rPr lang="en-US" altLang="ko-KR" sz="2200" b="0" i="1" smtClean="0">
+                                                  <a:latin typeface="Cambria Math" panose="02040503050406030204" pitchFamily="18" charset="0"/>
+                                                </a:rPr>
+                                                <m:t>+1</m:t>
+                                              </m:r>
+                                            </m:sub>
+                                          </m:sSub>
+                                          <m:r>
+                                            <a:rPr lang="en-US" altLang="ko-KR" sz="2200" b="0" i="1" smtClean="0">
+                                              <a:latin typeface="Cambria Math" panose="02040503050406030204" pitchFamily="18" charset="0"/>
+                                            </a:rPr>
+                                            <m:t>=</m:t>
+                                          </m:r>
+                                          <m:sSup>
+                                            <m:sSupPr>
+                                              <m:ctrlPr>
+                                                <a:rPr lang="en-US" altLang="ko-KR" sz="2200" b="0" i="1" smtClean="0">
+                                                  <a:latin typeface="Cambria Math" panose="02040503050406030204" pitchFamily="18" charset="0"/>
+                                                </a:rPr>
+                                              </m:ctrlPr>
+                                            </m:sSupPr>
+                                            <m:e>
+                                              <m:r>
+                                                <a:rPr lang="en-US" altLang="ko-KR" sz="2200" b="0" i="1" smtClean="0">
+                                                  <a:latin typeface="Cambria Math" panose="02040503050406030204" pitchFamily="18" charset="0"/>
+                                                </a:rPr>
+                                                <m:t>𝑠</m:t>
+                                              </m:r>
+                                            </m:e>
+                                            <m:sup>
+                                              <m:r>
+                                                <a:rPr lang="en-US" altLang="ko-KR" sz="2200" b="0" i="1" smtClean="0">
+                                                  <a:latin typeface="Cambria Math" panose="02040503050406030204" pitchFamily="18" charset="0"/>
+                                                </a:rPr>
+                                                <m:t>′</m:t>
+                                              </m:r>
+                                            </m:sup>
+                                          </m:sSup>
+                                        </m:e>
+                                      </m:d>
+                                    </m:e>
+                                  </m:d>
+                                </m:e>
+                              </m:nary>
+                            </m:e>
+                          </m:nary>
+                        </m:e>
+                      </m:nary>
+                    </m:oMath>
+                    <m:oMath xmlns:m="http://schemas.openxmlformats.org/officeDocument/2006/math">
+                      <m:r>
+                        <a:rPr lang="en-US" altLang="ko-KR" sz="2200" b="0" i="1" smtClean="0">
+                          <a:latin typeface="Cambria Math" panose="02040503050406030204" pitchFamily="18" charset="0"/>
+                        </a:rPr>
+                        <m:t>            </m:t>
+                      </m:r>
+                      <m:r>
+                        <a:rPr lang="en-US" altLang="ko-KR" sz="2200" i="1">
+                          <a:latin typeface="Cambria Math" panose="02040503050406030204" pitchFamily="18" charset="0"/>
+                        </a:rPr>
+                        <m:t>=</m:t>
+                      </m:r>
+                      <m:nary>
+                        <m:naryPr>
+                          <m:chr m:val="∑"/>
+                          <m:supHide m:val="on"/>
+                          <m:ctrlPr>
+                            <a:rPr lang="en-US" altLang="ko-KR" sz="2200" i="1">
+                              <a:latin typeface="Cambria Math" panose="02040503050406030204" pitchFamily="18" charset="0"/>
+                            </a:rPr>
+                          </m:ctrlPr>
+                        </m:naryPr>
+                        <m:sub>
+                          <m:r>
+                            <a:rPr lang="en-US" altLang="ko-KR" sz="2200" i="1">
+                              <a:latin typeface="Cambria Math" panose="02040503050406030204" pitchFamily="18" charset="0"/>
+                            </a:rPr>
+                            <m:t>𝑎</m:t>
+                          </m:r>
+                        </m:sub>
+                        <m:sup/>
+                        <m:e>
+                          <m:r>
+                            <a:rPr lang="en-US" altLang="ko-KR" sz="2200" i="1">
+                              <a:latin typeface="Cambria Math" panose="02040503050406030204" pitchFamily="18" charset="0"/>
+                            </a:rPr>
+                            <m:t>𝜋</m:t>
+                          </m:r>
+                          <m:d>
+                            <m:dPr>
+                              <m:ctrlPr>
+                                <a:rPr lang="en-US" altLang="ko-KR" sz="2200" i="1">
+                                  <a:latin typeface="Cambria Math" panose="02040503050406030204" pitchFamily="18" charset="0"/>
+                                </a:rPr>
+                              </m:ctrlPr>
+                            </m:dPr>
+                            <m:e>
+                              <m:r>
+                                <a:rPr lang="en-US" altLang="ko-KR" sz="2200" i="1">
+                                  <a:latin typeface="Cambria Math" panose="02040503050406030204" pitchFamily="18" charset="0"/>
+                                </a:rPr>
+                                <m:t>𝑎</m:t>
+                              </m:r>
+                            </m:e>
+                            <m:e>
+                              <m:r>
+                                <a:rPr lang="en-US" altLang="ko-KR" sz="2200" i="1">
+                                  <a:latin typeface="Cambria Math" panose="02040503050406030204" pitchFamily="18" charset="0"/>
+                                </a:rPr>
+                                <m:t>𝑠</m:t>
+                              </m:r>
+                            </m:e>
+                          </m:d>
+                          <m:nary>
+                            <m:naryPr>
+                              <m:chr m:val="∑"/>
+                              <m:supHide m:val="on"/>
+                              <m:ctrlPr>
+                                <a:rPr lang="en-US" altLang="ko-KR" sz="2200" i="1">
+                                  <a:latin typeface="Cambria Math" panose="02040503050406030204" pitchFamily="18" charset="0"/>
+                                </a:rPr>
+                              </m:ctrlPr>
+                            </m:naryPr>
+                            <m:sub>
+                              <m:sSup>
+                                <m:sSupPr>
+                                  <m:ctrlPr>
+                                    <a:rPr lang="en-US" altLang="ko-KR" sz="2200" i="1">
+                                      <a:latin typeface="Cambria Math" panose="02040503050406030204" pitchFamily="18" charset="0"/>
+                                    </a:rPr>
+                                  </m:ctrlPr>
+                                </m:sSupPr>
+                                <m:e>
+                                  <m:r>
+                                    <a:rPr lang="en-US" altLang="ko-KR" sz="2200" i="1">
+                                      <a:latin typeface="Cambria Math" panose="02040503050406030204" pitchFamily="18" charset="0"/>
+                                    </a:rPr>
+                                    <m:t>𝑠</m:t>
+                                  </m:r>
+                                </m:e>
+                                <m:sup>
+                                  <m:r>
+                                    <a:rPr lang="en-US" altLang="ko-KR" sz="2200" i="1">
+                                      <a:latin typeface="Cambria Math" panose="02040503050406030204" pitchFamily="18" charset="0"/>
+                                    </a:rPr>
+                                    <m:t>′</m:t>
+                                  </m:r>
+                                </m:sup>
+                              </m:sSup>
+                            </m:sub>
+                            <m:sup/>
+                            <m:e>
+                              <m:nary>
+                                <m:naryPr>
+                                  <m:chr m:val="∑"/>
+                                  <m:supHide m:val="on"/>
+                                  <m:ctrlPr>
+                                    <a:rPr lang="en-US" altLang="ko-KR" sz="2200" i="1">
+                                      <a:latin typeface="Cambria Math" panose="02040503050406030204" pitchFamily="18" charset="0"/>
+                                    </a:rPr>
+                                  </m:ctrlPr>
+                                </m:naryPr>
+                                <m:sub>
+                                  <m:r>
+                                    <a:rPr lang="en-US" altLang="ko-KR" sz="2200" i="1">
+                                      <a:latin typeface="Cambria Math" panose="02040503050406030204" pitchFamily="18" charset="0"/>
+                                    </a:rPr>
+                                    <m:t>𝑟</m:t>
+                                  </m:r>
+                                </m:sub>
+                                <m:sup/>
+                                <m:e>
+                                  <m:r>
+                                    <a:rPr lang="en-US" altLang="ko-KR" sz="2200" i="1">
+                                      <a:latin typeface="Cambria Math" panose="02040503050406030204" pitchFamily="18" charset="0"/>
+                                    </a:rPr>
+                                    <m:t>𝑝</m:t>
+                                  </m:r>
+                                  <m:d>
+                                    <m:dPr>
+                                      <m:ctrlPr>
+                                        <a:rPr lang="en-US" altLang="ko-KR" sz="2200" i="1">
+                                          <a:latin typeface="Cambria Math" panose="02040503050406030204" pitchFamily="18" charset="0"/>
+                                        </a:rPr>
+                                      </m:ctrlPr>
+                                    </m:dPr>
+                                    <m:e>
+                                      <m:sSup>
+                                        <m:sSupPr>
+                                          <m:ctrlPr>
+                                            <a:rPr lang="en-US" altLang="ko-KR" sz="2200" i="1">
+                                              <a:latin typeface="Cambria Math" panose="02040503050406030204" pitchFamily="18" charset="0"/>
+                                            </a:rPr>
+                                          </m:ctrlPr>
+                                        </m:sSupPr>
+                                        <m:e>
+                                          <m:r>
+                                            <a:rPr lang="en-US" altLang="ko-KR" sz="2200" i="1">
+                                              <a:latin typeface="Cambria Math" panose="02040503050406030204" pitchFamily="18" charset="0"/>
+                                            </a:rPr>
+                                            <m:t>𝑠</m:t>
+                                          </m:r>
+                                        </m:e>
+                                        <m:sup>
+                                          <m:r>
+                                            <a:rPr lang="en-US" altLang="ko-KR" sz="2200" i="1">
+                                              <a:latin typeface="Cambria Math" panose="02040503050406030204" pitchFamily="18" charset="0"/>
+                                            </a:rPr>
+                                            <m:t>′</m:t>
+                                          </m:r>
+                                        </m:sup>
+                                      </m:sSup>
+                                      <m:r>
+                                        <a:rPr lang="en-US" altLang="ko-KR" sz="2200" i="1">
+                                          <a:latin typeface="Cambria Math" panose="02040503050406030204" pitchFamily="18" charset="0"/>
+                                        </a:rPr>
+                                        <m:t>,</m:t>
+                                      </m:r>
+                                      <m:r>
+                                        <a:rPr lang="en-US" altLang="ko-KR" sz="2200" i="1">
+                                          <a:latin typeface="Cambria Math" panose="02040503050406030204" pitchFamily="18" charset="0"/>
+                                        </a:rPr>
+                                        <m:t>𝑟</m:t>
+                                      </m:r>
+                                    </m:e>
+                                    <m:e>
+                                      <m:r>
+                                        <a:rPr lang="en-US" altLang="ko-KR" sz="2200" i="1">
+                                          <a:latin typeface="Cambria Math" panose="02040503050406030204" pitchFamily="18" charset="0"/>
+                                        </a:rPr>
+                                        <m:t>𝑠</m:t>
+                                      </m:r>
+                                      <m:r>
+                                        <a:rPr lang="en-US" altLang="ko-KR" sz="2200" i="1">
+                                          <a:latin typeface="Cambria Math" panose="02040503050406030204" pitchFamily="18" charset="0"/>
+                                        </a:rPr>
+                                        <m:t>,</m:t>
+                                      </m:r>
+                                      <m:r>
+                                        <a:rPr lang="en-US" altLang="ko-KR" sz="2200" i="1">
+                                          <a:latin typeface="Cambria Math" panose="02040503050406030204" pitchFamily="18" charset="0"/>
+                                        </a:rPr>
+                                        <m:t>𝑎</m:t>
+                                      </m:r>
+                                    </m:e>
+                                  </m:d>
+                                  <m:d>
+                                    <m:dPr>
+                                      <m:begChr m:val="["/>
+                                      <m:endChr m:val="]"/>
+                                      <m:ctrlPr>
+                                        <a:rPr lang="en-US" altLang="ko-KR" sz="2200" i="1">
+                                          <a:latin typeface="Cambria Math" panose="02040503050406030204" pitchFamily="18" charset="0"/>
+                                        </a:rPr>
+                                      </m:ctrlPr>
+                                    </m:dPr>
+                                    <m:e>
+                                      <m:r>
+                                        <a:rPr lang="en-US" altLang="ko-KR" sz="2200" i="1">
+                                          <a:latin typeface="Cambria Math" panose="02040503050406030204" pitchFamily="18" charset="0"/>
+                                        </a:rPr>
+                                        <m:t>𝑟</m:t>
+                                      </m:r>
+                                      <m:r>
+                                        <a:rPr lang="en-US" altLang="ko-KR" sz="2200" i="1">
+                                          <a:latin typeface="Cambria Math" panose="02040503050406030204" pitchFamily="18" charset="0"/>
+                                        </a:rPr>
+                                        <m:t>+</m:t>
+                                      </m:r>
+                                      <m:r>
+                                        <a:rPr lang="en-US" altLang="ko-KR" sz="2200" i="1">
+                                          <a:latin typeface="Cambria Math" panose="02040503050406030204" pitchFamily="18" charset="0"/>
+                                        </a:rPr>
+                                        <m:t>𝛾</m:t>
+                                      </m:r>
+                                      <m:sSub>
+                                        <m:sSubPr>
+                                          <m:ctrlPr>
+                                            <a:rPr lang="en-US" altLang="ko-KR" sz="2200" b="0" i="1" smtClean="0">
+                                              <a:latin typeface="Cambria Math" panose="02040503050406030204" pitchFamily="18" charset="0"/>
+                                            </a:rPr>
+                                          </m:ctrlPr>
+                                        </m:sSubPr>
+                                        <m:e>
+                                          <m:r>
+                                            <a:rPr lang="en-US" altLang="ko-KR" sz="2200" b="0" i="1" smtClean="0">
+                                              <a:latin typeface="Cambria Math" panose="02040503050406030204" pitchFamily="18" charset="0"/>
+                                            </a:rPr>
+                                            <m:t>𝑣</m:t>
+                                          </m:r>
+                                        </m:e>
+                                        <m:sub>
+                                          <m:r>
+                                            <a:rPr lang="en-US" altLang="ko-KR" sz="2200" b="0" i="1" smtClean="0">
+                                              <a:latin typeface="Cambria Math" panose="02040503050406030204" pitchFamily="18" charset="0"/>
+                                            </a:rPr>
+                                            <m:t>𝜋</m:t>
+                                          </m:r>
+                                        </m:sub>
+                                      </m:sSub>
+                                      <m:d>
+                                        <m:dPr>
+                                          <m:ctrlPr>
+                                            <a:rPr lang="en-US" altLang="ko-KR" sz="2200" b="0" i="1" smtClean="0">
+                                              <a:latin typeface="Cambria Math" panose="02040503050406030204" pitchFamily="18" charset="0"/>
+                                            </a:rPr>
+                                          </m:ctrlPr>
+                                        </m:dPr>
+                                        <m:e>
+                                          <m:sSup>
+                                            <m:sSupPr>
+                                              <m:ctrlPr>
+                                                <a:rPr lang="en-US" altLang="ko-KR" sz="2200" b="0" i="1" smtClean="0">
+                                                  <a:latin typeface="Cambria Math" panose="02040503050406030204" pitchFamily="18" charset="0"/>
+                                                </a:rPr>
+                                              </m:ctrlPr>
+                                            </m:sSupPr>
+                                            <m:e>
+                                              <m:r>
+                                                <a:rPr lang="en-US" altLang="ko-KR" sz="2200" b="0" i="1" smtClean="0">
+                                                  <a:latin typeface="Cambria Math" panose="02040503050406030204" pitchFamily="18" charset="0"/>
+                                                </a:rPr>
+                                                <m:t>𝑠</m:t>
+                                              </m:r>
+                                            </m:e>
+                                            <m:sup>
+                                              <m:r>
+                                                <a:rPr lang="en-US" altLang="ko-KR" sz="2200" b="0" i="1" smtClean="0">
+                                                  <a:latin typeface="Cambria Math" panose="02040503050406030204" pitchFamily="18" charset="0"/>
+                                                </a:rPr>
+                                                <m:t>′</m:t>
+                                              </m:r>
+                                            </m:sup>
+                                          </m:sSup>
+                                        </m:e>
+                                      </m:d>
+                                    </m:e>
+                                  </m:d>
+                                </m:e>
+                              </m:nary>
+                            </m:e>
+                          </m:nary>
+                        </m:e>
+                      </m:nary>
+                    </m:oMath>
+                  </m:oMathPara>
+                </a14:m>
+                <a:endParaRPr lang="ko-KR" altLang="en-US" sz="2200" dirty="0"/>
+              </a:p>
+            </p:txBody>
+          </p:sp>
+        </mc:Choice>
+        <mc:Fallback>
+          <p:sp>
+            <p:nvSpPr>
+              <p:cNvPr id="7" name="TextBox 6">
+                <a:extLst>
+                  <a:ext uri="{FF2B5EF4-FFF2-40B4-BE49-F238E27FC236}">
+                    <a16:creationId xmlns:a16="http://schemas.microsoft.com/office/drawing/2014/main" id="{C91136B9-AEEB-471F-A002-C787274F60F9}"/>
+                  </a:ext>
+                </a:extLst>
+              </p:cNvPr>
+              <p:cNvSpPr txBox="1">
+                <a:spLocks noRot="1" noChangeAspect="1" noMove="1" noResize="1" noEditPoints="1" noAdjustHandles="1" noChangeArrowheads="1" noChangeShapeType="1" noTextEdit="1"/>
+              </p:cNvSpPr>
+              <p:nvPr/>
+            </p:nvSpPr>
+            <p:spPr>
+              <a:xfrm>
+                <a:off x="1739988" y="3741553"/>
+                <a:ext cx="7699287" cy="2435410"/>
+              </a:xfrm>
+              <a:prstGeom prst="rect">
+                <a:avLst/>
+              </a:prstGeom>
+              <a:blipFill>
+                <a:blip r:embed="rId5"/>
+                <a:stretch>
+                  <a:fillRect/>
+                </a:stretch>
+              </a:blipFill>
+            </p:spPr>
+            <p:txBody>
+              <a:bodyPr/>
+              <a:lstStyle/>
+              <a:p>
+                <a:r>
+                  <a:rPr lang="ko-KR" altLang="en-US">
+                    <a:noFill/>
+                  </a:rPr>
+                  <a:t> </a:t>
+                </a:r>
+              </a:p>
+            </p:txBody>
+          </p:sp>
+        </mc:Fallback>
+      </mc:AlternateContent>
     </p:spTree>
     <p:extLst>
       <p:ext uri="{BB962C8B-B14F-4D97-AF65-F5344CB8AC3E}">
@@ -6305,8 +6732,8 @@
           </a:p>
         </p:txBody>
       </p:sp>
-      <mc:AlternateContent xmlns:mc="http://schemas.openxmlformats.org/markup-compatibility/2006" xmlns:a14="http://schemas.microsoft.com/office/drawing/2010/main">
-        <mc:Choice Requires="a14">
+      <mc:AlternateContent xmlns:mc="http://schemas.openxmlformats.org/markup-compatibility/2006">
+        <mc:Choice xmlns:a14="http://schemas.microsoft.com/office/drawing/2010/main" Requires="a14">
           <p:sp>
             <p:nvSpPr>
               <p:cNvPr id="3" name="내용 개체 틀 2">
@@ -6331,7 +6758,7 @@
             </p:spPr>
             <p:txBody>
               <a:bodyPr>
-                <a:normAutofit fontScale="85000" lnSpcReduction="20000"/>
+                <a:normAutofit fontScale="77500" lnSpcReduction="20000"/>
               </a:bodyPr>
               <a:lstStyle/>
               <a:p>
@@ -6390,7 +6817,7 @@
                 <a:pPr lvl="1"/>
                 <a:r>
                   <a:rPr lang="en-US" altLang="ko-KR" dirty="0"/>
-                  <a:t>The agent to move one cell in the respective direction</a:t>
+                  <a:t>Actions cause the agent to move one cell in the respective direction</a:t>
                 </a:r>
               </a:p>
               <a:p>
@@ -6587,10 +7014,6 @@
                     </m:r>
                   </m:oMath>
                 </a14:m>
-                <a:endParaRPr lang="en-US" altLang="ko-KR" dirty="0"/>
-              </a:p>
-              <a:p>
-                <a:pPr lvl="1"/>
                 <a:endParaRPr lang="ko-KR" altLang="en-US" dirty="0">
                   <a:latin typeface="Courier New" panose="02070309020205020404" pitchFamily="49" charset="0"/>
                   <a:cs typeface="Courier New" panose="02070309020205020404" pitchFamily="49" charset="0"/>
@@ -6599,7 +7022,7 @@
             </p:txBody>
           </p:sp>
         </mc:Choice>
-        <mc:Fallback xmlns="">
+        <mc:Fallback>
           <p:sp>
             <p:nvSpPr>
               <p:cNvPr id="3" name="내용 개체 틀 2">
@@ -6624,7 +7047,7 @@
               <a:blipFill>
                 <a:blip r:embed="rId2"/>
                 <a:stretch>
-                  <a:fillRect l="-922" t="-3501" b="-2241"/>
+                  <a:fillRect l="-780" t="-3081"/>
                 </a:stretch>
               </a:blipFill>
             </p:spPr>
@@ -6846,8 +7269,8 @@
           </a:p>
         </p:txBody>
       </p:sp>
-      <mc:AlternateContent xmlns:mc="http://schemas.openxmlformats.org/markup-compatibility/2006">
-        <mc:Choice xmlns:a14="http://schemas.microsoft.com/office/drawing/2010/main" Requires="a14">
+      <mc:AlternateContent xmlns:mc="http://schemas.openxmlformats.org/markup-compatibility/2006" xmlns:a14="http://schemas.microsoft.com/office/drawing/2010/main">
+        <mc:Choice Requires="a14">
           <p:sp>
             <p:nvSpPr>
               <p:cNvPr id="5" name="TextBox 4">
@@ -6876,6 +7299,7 @@
               </a:bodyPr>
               <a:lstStyle/>
               <a:p>
+                <a:pPr/>
                 <a14:m>
                   <m:oMathPara xmlns:m="http://schemas.openxmlformats.org/officeDocument/2006/math">
                     <m:oMathParaPr>
@@ -7823,7 +8247,7 @@
             </p:txBody>
           </p:sp>
         </mc:Choice>
-        <mc:Fallback>
+        <mc:Fallback xmlns="">
           <p:sp>
             <p:nvSpPr>
               <p:cNvPr id="5" name="TextBox 4">
@@ -7883,7 +8307,7 @@
           <p:nvPr/>
         </p:nvPicPr>
         <p:blipFill>
-          <a:blip r:embed="rId3"/>
+          <a:blip r:embed="rId2"/>
           <a:stretch>
             <a:fillRect/>
           </a:stretch>
@@ -7959,8 +8383,8 @@
           </a:p>
         </p:txBody>
       </p:sp>
-      <mc:AlternateContent xmlns:mc="http://schemas.openxmlformats.org/markup-compatibility/2006">
-        <mc:Choice xmlns:a14="http://schemas.microsoft.com/office/drawing/2010/main" Requires="a14">
+      <mc:AlternateContent xmlns:mc="http://schemas.openxmlformats.org/markup-compatibility/2006" xmlns:a14="http://schemas.microsoft.com/office/drawing/2010/main">
+        <mc:Choice Requires="a14">
           <p:sp>
             <p:nvSpPr>
               <p:cNvPr id="3" name="내용 개체 틀 2">
@@ -8211,7 +8635,7 @@
             </p:txBody>
           </p:sp>
         </mc:Choice>
-        <mc:Fallback>
+        <mc:Fallback xmlns="">
           <p:sp>
             <p:nvSpPr>
               <p:cNvPr id="3" name="내용 개체 틀 2">
@@ -8280,8 +8704,8 @@
           </a:p>
         </p:txBody>
       </p:sp>
-      <mc:AlternateContent xmlns:mc="http://schemas.openxmlformats.org/markup-compatibility/2006">
-        <mc:Choice xmlns:a14="http://schemas.microsoft.com/office/drawing/2010/main" Requires="a14">
+      <mc:AlternateContent xmlns:mc="http://schemas.openxmlformats.org/markup-compatibility/2006" xmlns:a14="http://schemas.microsoft.com/office/drawing/2010/main">
+        <mc:Choice Requires="a14">
           <p:sp>
             <p:nvSpPr>
               <p:cNvPr id="5" name="TextBox 4">
@@ -8310,6 +8734,7 @@
               </a:bodyPr>
               <a:lstStyle/>
               <a:p>
+                <a:pPr/>
                 <a14:m>
                   <m:oMathPara xmlns:m="http://schemas.openxmlformats.org/officeDocument/2006/math">
                     <m:oMathParaPr>
@@ -8461,7 +8886,7 @@
             </p:txBody>
           </p:sp>
         </mc:Choice>
-        <mc:Fallback>
+        <mc:Fallback xmlns="">
           <p:sp>
             <p:nvSpPr>
               <p:cNvPr id="5" name="TextBox 4">
@@ -8506,8 +8931,8 @@
           </p:sp>
         </mc:Fallback>
       </mc:AlternateContent>
-      <mc:AlternateContent xmlns:mc="http://schemas.openxmlformats.org/markup-compatibility/2006">
-        <mc:Choice xmlns:a14="http://schemas.microsoft.com/office/drawing/2010/main" Requires="a14">
+      <mc:AlternateContent xmlns:mc="http://schemas.openxmlformats.org/markup-compatibility/2006" xmlns:a14="http://schemas.microsoft.com/office/drawing/2010/main">
+        <mc:Choice Requires="a14">
           <p:sp>
             <p:nvSpPr>
               <p:cNvPr id="6" name="TextBox 5">
@@ -8536,6 +8961,7 @@
               </a:bodyPr>
               <a:lstStyle/>
               <a:p>
+                <a:pPr/>
                 <a14:m>
                   <m:oMathPara xmlns:m="http://schemas.openxmlformats.org/officeDocument/2006/math">
                     <m:oMathParaPr>
@@ -8711,7 +9137,7 @@
             </p:txBody>
           </p:sp>
         </mc:Choice>
-        <mc:Fallback>
+        <mc:Fallback xmlns="">
           <p:sp>
             <p:nvSpPr>
               <p:cNvPr id="6" name="TextBox 5">
@@ -9153,14 +9579,14 @@
             <a:pPr lvl="1"/>
             <a:r>
               <a:rPr lang="en-US" altLang="ko-KR" dirty="0"/>
-              <a:t>a classical formalization of sequential decision making</a:t>
+              <a:t>A classical formalization of sequential decision making</a:t>
             </a:r>
           </a:p>
           <a:p>
             <a:pPr lvl="1"/>
             <a:r>
               <a:rPr lang="en-US" altLang="ko-KR" dirty="0"/>
-              <a:t>actions influence not just immediate rewards, but also subsequent situations, or states, and through those future rewards.</a:t>
+              <a:t>Actions influence not just immediate rewards, but also subsequent situations, or states, and through those future rewards.</a:t>
             </a:r>
             <a:endParaRPr lang="ko-KR" altLang="en-US" dirty="0"/>
           </a:p>
